--- a/ECE322L - Electronics II/Lectures/L23/ECE322L_Lec23_ClassAB_ampl.pptx
+++ b/ECE322L - Electronics II/Lectures/L23/ECE322L_Lec23_ClassAB_ampl.pptx
@@ -10989,7 +10989,7 @@
             </a:pPr>
             <a:r>
               <a:rPr lang="en-GB" altLang="en-US" dirty="0"/>
-              <a:t>A class B output stage can be far more efficient than a class A stage (~40-65% maximum efficiency compared with 25 %) but less efficient than a class B stage (~40-65 % maximum efficiency compared with 78.5 %).</a:t>
+              <a:t>A class AB output stage can be far more efficient than a class A stage (~40-65% maximum efficiency compared with 25 %) but less efficient than a class B stage (~40-65 % maximum efficiency compared with 78.5 %).</a:t>
             </a:r>
           </a:p>
           <a:p>
@@ -12915,23 +12915,7 @@
             </a:pPr>
             <a:r>
               <a:rPr lang="en-US" sz="2200" dirty="0"/>
-              <a:t>As the </a:t>
-            </a:r>
-            <a:r>
-              <a:rPr lang="en-US" sz="2200" dirty="0" err="1"/>
-              <a:t>the</a:t>
-            </a:r>
-            <a:r>
-              <a:rPr lang="en-US" sz="2200" dirty="0"/>
-              <a:t> temperature of the B-E junctions of the output devices increases, the biasing diodes </a:t>
-            </a:r>
-            <a:r>
-              <a:rPr lang="en-US" sz="2200"/>
-              <a:t>that are </a:t>
-            </a:r>
-            <a:r>
-              <a:rPr lang="en-US" sz="2200" dirty="0"/>
-              <a:t>in thermal contact with the emitter junctions will see an increase in temperature. As result the diode currents are going to increase and the base currents of the transistors are going to decrease, which leads to a decrease of the </a:t>
+              <a:t>As the temperature of the B-E junctions of the output devices increases, the biasing diodes that are in thermal contact with the emitter junctions will see an increase in temperature. As result the diode currents are going to increase and the base currents of the transistors are going to decrease, which leads to a decrease of the </a:t>
             </a:r>
             <a:r>
               <a:rPr lang="en-US" sz="2200" dirty="0" err="1"/>
@@ -13498,7 +13482,7 @@
           <a:graphicData uri="http://schemas.openxmlformats.org/presentationml/2006/ole">
             <mc:AlternateContent xmlns:mc="http://schemas.openxmlformats.org/markup-compatibility/2006">
               <mc:Choice xmlns:v="urn:schemas-microsoft-com:vml" Requires="v">
-                <p:oleObj spid="_x0000_s103563" name="Equation" r:id="rId4" imgW="609480" imgH="431640" progId="Equation.3">
+                <p:oleObj spid="_x0000_s103567" name="Equation" r:id="rId4" imgW="609480" imgH="431640" progId="Equation.3">
                   <p:embed/>
                 </p:oleObj>
               </mc:Choice>
@@ -13597,7 +13581,7 @@
           <a:graphicData uri="http://schemas.openxmlformats.org/presentationml/2006/ole">
             <mc:AlternateContent xmlns:mc="http://schemas.openxmlformats.org/markup-compatibility/2006">
               <mc:Choice xmlns:v="urn:schemas-microsoft-com:vml" Requires="v">
-                <p:oleObj spid="_x0000_s103564" name="Equation" r:id="rId6" imgW="1155600" imgH="711000" progId="Equation.3">
+                <p:oleObj spid="_x0000_s103568" name="Equation" r:id="rId6" imgW="1155600" imgH="711000" progId="Equation.3">
                   <p:embed/>
                 </p:oleObj>
               </mc:Choice>
@@ -14256,7 +14240,7 @@
           <a:graphicData uri="http://schemas.openxmlformats.org/presentationml/2006/ole">
             <mc:AlternateContent xmlns:mc="http://schemas.openxmlformats.org/markup-compatibility/2006">
               <mc:Choice xmlns:v="urn:schemas-microsoft-com:vml" Requires="v">
-                <p:oleObj spid="_x0000_s104572" name="Equation" r:id="rId4" imgW="2539800" imgH="482400" progId="Equation.3">
+                <p:oleObj spid="_x0000_s104576" name="Equation" r:id="rId4" imgW="2539800" imgH="482400" progId="Equation.3">
                   <p:embed/>
                 </p:oleObj>
               </mc:Choice>
@@ -14651,7 +14635,7 @@
           <a:graphicData uri="http://schemas.openxmlformats.org/presentationml/2006/ole">
             <mc:AlternateContent xmlns:mc="http://schemas.openxmlformats.org/markup-compatibility/2006">
               <mc:Choice xmlns:v="urn:schemas-microsoft-com:vml" Requires="v">
-                <p:oleObj spid="_x0000_s104573" name="Equation" r:id="rId6" imgW="609336" imgH="431613" progId="Equation.3">
+                <p:oleObj spid="_x0000_s104577" name="Equation" r:id="rId6" imgW="609336" imgH="431613" progId="Equation.3">
                   <p:embed/>
                 </p:oleObj>
               </mc:Choice>
@@ -16003,7 +15987,7 @@
           <a:graphicData uri="http://schemas.openxmlformats.org/presentationml/2006/ole">
             <mc:AlternateContent xmlns:mc="http://schemas.openxmlformats.org/markup-compatibility/2006">
               <mc:Choice xmlns:v="urn:schemas-microsoft-com:vml" Requires="v">
-                <p:oleObj spid="_x0000_s105804" name="Equation" r:id="rId4" imgW="723600" imgH="215640" progId="Equation.3">
+                <p:oleObj spid="_x0000_s105816" name="Equation" r:id="rId4" imgW="723600" imgH="215640" progId="Equation.3">
                   <p:embed/>
                 </p:oleObj>
               </mc:Choice>
@@ -16153,7 +16137,7 @@
           <a:graphicData uri="http://schemas.openxmlformats.org/presentationml/2006/ole">
             <mc:AlternateContent xmlns:mc="http://schemas.openxmlformats.org/markup-compatibility/2006">
               <mc:Choice xmlns:v="urn:schemas-microsoft-com:vml" Requires="v">
-                <p:oleObj spid="_x0000_s105805" name="Equation" r:id="rId6" imgW="1257120" imgH="457200" progId="Equation.3">
+                <p:oleObj spid="_x0000_s105817" name="Equation" r:id="rId6" imgW="1257120" imgH="457200" progId="Equation.3">
                   <p:embed/>
                 </p:oleObj>
               </mc:Choice>
@@ -16224,7 +16208,7 @@
           <a:graphicData uri="http://schemas.openxmlformats.org/presentationml/2006/ole">
             <mc:AlternateContent xmlns:mc="http://schemas.openxmlformats.org/markup-compatibility/2006">
               <mc:Choice xmlns:v="urn:schemas-microsoft-com:vml" Requires="v">
-                <p:oleObj spid="_x0000_s105806" name="Equation" r:id="rId8" imgW="190440" imgH="228600" progId="Equation.3">
+                <p:oleObj spid="_x0000_s105818" name="Equation" r:id="rId8" imgW="190440" imgH="228600" progId="Equation.3">
                   <p:embed/>
                 </p:oleObj>
               </mc:Choice>
@@ -16317,7 +16301,7 @@
           <a:graphicData uri="http://schemas.openxmlformats.org/presentationml/2006/ole">
             <mc:AlternateContent xmlns:mc="http://schemas.openxmlformats.org/markup-compatibility/2006">
               <mc:Choice xmlns:v="urn:schemas-microsoft-com:vml" Requires="v">
-                <p:oleObj spid="_x0000_s105807" name="Equation" r:id="rId10" imgW="203040" imgH="215640" progId="Equation.3">
+                <p:oleObj spid="_x0000_s105819" name="Equation" r:id="rId10" imgW="203040" imgH="215640" progId="Equation.3">
                   <p:embed/>
                 </p:oleObj>
               </mc:Choice>
@@ -16480,7 +16464,7 @@
           <a:graphicData uri="http://schemas.openxmlformats.org/presentationml/2006/ole">
             <mc:AlternateContent xmlns:mc="http://schemas.openxmlformats.org/markup-compatibility/2006">
               <mc:Choice xmlns:v="urn:schemas-microsoft-com:vml" Requires="v">
-                <p:oleObj spid="_x0000_s105808" name="Equation" r:id="rId12" imgW="1244520" imgH="469800" progId="Equation.3">
+                <p:oleObj spid="_x0000_s105820" name="Equation" r:id="rId12" imgW="1244520" imgH="469800" progId="Equation.3">
                   <p:embed/>
                 </p:oleObj>
               </mc:Choice>
@@ -16557,7 +16541,7 @@
           <a:graphicData uri="http://schemas.openxmlformats.org/presentationml/2006/ole">
             <mc:AlternateContent xmlns:mc="http://schemas.openxmlformats.org/markup-compatibility/2006">
               <mc:Choice xmlns:v="urn:schemas-microsoft-com:vml" Requires="v">
-                <p:oleObj spid="_x0000_s105809" name="Equation" r:id="rId14" imgW="1143000" imgH="431640" progId="Equation.3">
+                <p:oleObj spid="_x0000_s105821" name="Equation" r:id="rId14" imgW="1143000" imgH="431640" progId="Equation.3">
                   <p:embed/>
                 </p:oleObj>
               </mc:Choice>
@@ -18160,7 +18144,7 @@
           <a:graphicData uri="http://schemas.openxmlformats.org/presentationml/2006/ole">
             <mc:AlternateContent xmlns:mc="http://schemas.openxmlformats.org/markup-compatibility/2006">
               <mc:Choice xmlns:v="urn:schemas-microsoft-com:vml" Requires="v">
-                <p:oleObj spid="_x0000_s106754" name="Equation" r:id="rId4" imgW="2120760" imgH="228600" progId="Equation.3">
+                <p:oleObj spid="_x0000_s106762" name="Equation" r:id="rId4" imgW="2120760" imgH="228600" progId="Equation.3">
                   <p:embed/>
                 </p:oleObj>
               </mc:Choice>
@@ -18323,7 +18307,7 @@
           <a:graphicData uri="http://schemas.openxmlformats.org/presentationml/2006/ole">
             <mc:AlternateContent xmlns:mc="http://schemas.openxmlformats.org/markup-compatibility/2006">
               <mc:Choice xmlns:v="urn:schemas-microsoft-com:vml" Requires="v">
-                <p:oleObj spid="_x0000_s106755" name="Equation" r:id="rId6" imgW="787320" imgH="241200" progId="Equation.3">
+                <p:oleObj spid="_x0000_s106763" name="Equation" r:id="rId6" imgW="787320" imgH="241200" progId="Equation.3">
                   <p:embed/>
                 </p:oleObj>
               </mc:Choice>
@@ -18486,7 +18470,7 @@
           <a:graphicData uri="http://schemas.openxmlformats.org/presentationml/2006/ole">
             <mc:AlternateContent xmlns:mc="http://schemas.openxmlformats.org/markup-compatibility/2006">
               <mc:Choice xmlns:v="urn:schemas-microsoft-com:vml" Requires="v">
-                <p:oleObj spid="_x0000_s106756" name="Equation" r:id="rId8" imgW="2031840" imgH="444240" progId="Equation.3">
+                <p:oleObj spid="_x0000_s106764" name="Equation" r:id="rId8" imgW="2031840" imgH="444240" progId="Equation.3">
                   <p:embed/>
                 </p:oleObj>
               </mc:Choice>
@@ -18585,7 +18569,7 @@
           <a:graphicData uri="http://schemas.openxmlformats.org/presentationml/2006/ole">
             <mc:AlternateContent xmlns:mc="http://schemas.openxmlformats.org/markup-compatibility/2006">
               <mc:Choice xmlns:v="urn:schemas-microsoft-com:vml" Requires="v">
-                <p:oleObj spid="_x0000_s106757" name="Equation" r:id="rId10" imgW="672840" imgH="419040" progId="Equation.3">
+                <p:oleObj spid="_x0000_s106765" name="Equation" r:id="rId10" imgW="672840" imgH="419040" progId="Equation.3">
                   <p:embed/>
                 </p:oleObj>
               </mc:Choice>
@@ -18926,7 +18910,7 @@
           <a:graphicData uri="http://schemas.openxmlformats.org/presentationml/2006/ole">
             <mc:AlternateContent xmlns:mc="http://schemas.openxmlformats.org/markup-compatibility/2006">
               <mc:Choice xmlns:v="urn:schemas-microsoft-com:vml" Requires="v">
-                <p:oleObj spid="_x0000_s107650" name="Equation" r:id="rId4" imgW="850680" imgH="431640" progId="Equation.3">
+                <p:oleObj spid="_x0000_s107654" name="Equation" r:id="rId4" imgW="850680" imgH="431640" progId="Equation.3">
                   <p:embed/>
                 </p:oleObj>
               </mc:Choice>
@@ -19089,7 +19073,7 @@
           <a:graphicData uri="http://schemas.openxmlformats.org/presentationml/2006/ole">
             <mc:AlternateContent xmlns:mc="http://schemas.openxmlformats.org/markup-compatibility/2006">
               <mc:Choice xmlns:v="urn:schemas-microsoft-com:vml" Requires="v">
-                <p:oleObj spid="_x0000_s107651" name="Equation" r:id="rId6" imgW="1143000" imgH="431640" progId="Equation.3">
+                <p:oleObj spid="_x0000_s107655" name="Equation" r:id="rId6" imgW="1143000" imgH="431640" progId="Equation.3">
                   <p:embed/>
                 </p:oleObj>
               </mc:Choice>
@@ -20069,7 +20053,7 @@
           <a:graphicData uri="http://schemas.openxmlformats.org/presentationml/2006/ole">
             <mc:AlternateContent xmlns:mc="http://schemas.openxmlformats.org/markup-compatibility/2006">
               <mc:Choice xmlns:v="urn:schemas-microsoft-com:vml" Requires="v">
-                <p:oleObj spid="_x0000_s108672" name="Equation" r:id="rId4" imgW="1333440" imgH="253800" progId="Equation.3">
+                <p:oleObj spid="_x0000_s108676" name="Equation" r:id="rId4" imgW="1333440" imgH="253800" progId="Equation.3">
                   <p:embed/>
                 </p:oleObj>
               </mc:Choice>
@@ -20267,7 +20251,7 @@
           <a:graphicData uri="http://schemas.openxmlformats.org/presentationml/2006/ole">
             <mc:AlternateContent xmlns:mc="http://schemas.openxmlformats.org/markup-compatibility/2006">
               <mc:Choice xmlns:v="urn:schemas-microsoft-com:vml" Requires="v">
-                <p:oleObj spid="_x0000_s108673" name="Equation" r:id="rId6" imgW="1015920" imgH="241200" progId="Equation.3">
+                <p:oleObj spid="_x0000_s108677" name="Equation" r:id="rId6" imgW="1015920" imgH="241200" progId="Equation.3">
                   <p:embed/>
                 </p:oleObj>
               </mc:Choice>
@@ -20994,7 +20978,7 @@
           <a:graphicData uri="http://schemas.openxmlformats.org/presentationml/2006/ole">
             <mc:AlternateContent xmlns:mc="http://schemas.openxmlformats.org/markup-compatibility/2006">
               <mc:Choice xmlns:v="urn:schemas-microsoft-com:vml" Requires="v">
-                <p:oleObj spid="_x0000_s110011" name="Equation" r:id="rId4" imgW="952200" imgH="266400" progId="Equation.3">
+                <p:oleObj spid="_x0000_s110025" name="Equation" r:id="rId4" imgW="952200" imgH="266400" progId="Equation.3">
                   <p:embed/>
                 </p:oleObj>
               </mc:Choice>
@@ -21159,7 +21143,7 @@
           <a:graphicData uri="http://schemas.openxmlformats.org/presentationml/2006/ole">
             <mc:AlternateContent xmlns:mc="http://schemas.openxmlformats.org/markup-compatibility/2006">
               <mc:Choice xmlns:v="urn:schemas-microsoft-com:vml" Requires="v">
-                <p:oleObj spid="_x0000_s110012" name="Equation" r:id="rId6" imgW="1091880" imgH="228600" progId="Equation.3">
+                <p:oleObj spid="_x0000_s110026" name="Equation" r:id="rId6" imgW="1091880" imgH="228600" progId="Equation.3">
                   <p:embed/>
                 </p:oleObj>
               </mc:Choice>
@@ -21258,7 +21242,7 @@
           <a:graphicData uri="http://schemas.openxmlformats.org/presentationml/2006/ole">
             <mc:AlternateContent xmlns:mc="http://schemas.openxmlformats.org/markup-compatibility/2006">
               <mc:Choice xmlns:v="urn:schemas-microsoft-com:vml" Requires="v">
-                <p:oleObj spid="_x0000_s110013" name="Equation" r:id="rId8" imgW="1079280" imgH="266400" progId="Equation.3">
+                <p:oleObj spid="_x0000_s110027" name="Equation" r:id="rId8" imgW="1079280" imgH="266400" progId="Equation.3">
                   <p:embed/>
                 </p:oleObj>
               </mc:Choice>
@@ -21357,7 +21341,7 @@
           <a:graphicData uri="http://schemas.openxmlformats.org/presentationml/2006/ole">
             <mc:AlternateContent xmlns:mc="http://schemas.openxmlformats.org/markup-compatibility/2006">
               <mc:Choice xmlns:v="urn:schemas-microsoft-com:vml" Requires="v">
-                <p:oleObj spid="_x0000_s110014" name="Equation" r:id="rId10" imgW="571320" imgH="177480" progId="Equation.3">
+                <p:oleObj spid="_x0000_s110028" name="Equation" r:id="rId10" imgW="571320" imgH="177480" progId="Equation.3">
                   <p:embed/>
                 </p:oleObj>
               </mc:Choice>
@@ -21456,7 +21440,7 @@
           <a:graphicData uri="http://schemas.openxmlformats.org/presentationml/2006/ole">
             <mc:AlternateContent xmlns:mc="http://schemas.openxmlformats.org/markup-compatibility/2006">
               <mc:Choice xmlns:v="urn:schemas-microsoft-com:vml" Requires="v">
-                <p:oleObj spid="_x0000_s110015" name="Equation" r:id="rId12" imgW="838080" imgH="419040" progId="Equation.3">
+                <p:oleObj spid="_x0000_s110029" name="Equation" r:id="rId12" imgW="838080" imgH="419040" progId="Equation.3">
                   <p:embed/>
                 </p:oleObj>
               </mc:Choice>
@@ -21609,7 +21593,7 @@
           <a:graphicData uri="http://schemas.openxmlformats.org/presentationml/2006/ole">
             <mc:AlternateContent xmlns:mc="http://schemas.openxmlformats.org/markup-compatibility/2006">
               <mc:Choice xmlns:v="urn:schemas-microsoft-com:vml" Requires="v">
-                <p:oleObj spid="_x0000_s110016" name="Equation" r:id="rId14" imgW="1358900" imgH="419100" progId="Equation.3">
+                <p:oleObj spid="_x0000_s110030" name="Equation" r:id="rId14" imgW="1358900" imgH="419100" progId="Equation.3">
                   <p:embed/>
                 </p:oleObj>
               </mc:Choice>
@@ -21708,7 +21692,7 @@
           <a:graphicData uri="http://schemas.openxmlformats.org/presentationml/2006/ole">
             <mc:AlternateContent xmlns:mc="http://schemas.openxmlformats.org/markup-compatibility/2006">
               <mc:Choice xmlns:v="urn:schemas-microsoft-com:vml" Requires="v">
-                <p:oleObj spid="_x0000_s110017" name="Equation" r:id="rId16" imgW="1079032" imgH="266584" progId="Equation.3">
+                <p:oleObj spid="_x0000_s110031" name="Equation" r:id="rId16" imgW="1079032" imgH="266584" progId="Equation.3">
                   <p:embed/>
                 </p:oleObj>
               </mc:Choice>
@@ -22040,7 +22024,7 @@
           <a:graphicData uri="http://schemas.openxmlformats.org/presentationml/2006/ole">
             <mc:AlternateContent xmlns:mc="http://schemas.openxmlformats.org/markup-compatibility/2006">
               <mc:Choice xmlns:v="urn:schemas-microsoft-com:vml" Requires="v">
-                <p:oleObj spid="_x0000_s110909" name="Equation" r:id="rId4" imgW="1485720" imgH="457200" progId="Equation.3">
+                <p:oleObj spid="_x0000_s110919" name="Equation" r:id="rId4" imgW="1485720" imgH="457200" progId="Equation.3">
                   <p:embed/>
                 </p:oleObj>
               </mc:Choice>
@@ -22139,7 +22123,7 @@
           <a:graphicData uri="http://schemas.openxmlformats.org/presentationml/2006/ole">
             <mc:AlternateContent xmlns:mc="http://schemas.openxmlformats.org/markup-compatibility/2006">
               <mc:Choice xmlns:v="urn:schemas-microsoft-com:vml" Requires="v">
-                <p:oleObj spid="_x0000_s110910" name="Equation" r:id="rId6" imgW="1015920" imgH="444240" progId="Equation.3">
+                <p:oleObj spid="_x0000_s110920" name="Equation" r:id="rId6" imgW="1015920" imgH="444240" progId="Equation.3">
                   <p:embed/>
                 </p:oleObj>
               </mc:Choice>
@@ -22238,7 +22222,7 @@
           <a:graphicData uri="http://schemas.openxmlformats.org/presentationml/2006/ole">
             <mc:AlternateContent xmlns:mc="http://schemas.openxmlformats.org/markup-compatibility/2006">
               <mc:Choice xmlns:v="urn:schemas-microsoft-com:vml" Requires="v">
-                <p:oleObj spid="_x0000_s110911" name="Equation" r:id="rId8" imgW="990360" imgH="393480" progId="Equation.3">
+                <p:oleObj spid="_x0000_s110921" name="Equation" r:id="rId8" imgW="990360" imgH="393480" progId="Equation.3">
                   <p:embed/>
                 </p:oleObj>
               </mc:Choice>
@@ -22337,7 +22321,7 @@
           <a:graphicData uri="http://schemas.openxmlformats.org/presentationml/2006/ole">
             <mc:AlternateContent xmlns:mc="http://schemas.openxmlformats.org/markup-compatibility/2006">
               <mc:Choice xmlns:v="urn:schemas-microsoft-com:vml" Requires="v">
-                <p:oleObj spid="_x0000_s110912" name="Equation" r:id="rId10" imgW="1104840" imgH="393480" progId="Equation.3">
+                <p:oleObj spid="_x0000_s110922" name="Equation" r:id="rId10" imgW="1104840" imgH="393480" progId="Equation.3">
                   <p:embed/>
                 </p:oleObj>
               </mc:Choice>
@@ -22436,7 +22420,7 @@
           <a:graphicData uri="http://schemas.openxmlformats.org/presentationml/2006/ole">
             <mc:AlternateContent xmlns:mc="http://schemas.openxmlformats.org/markup-compatibility/2006">
               <mc:Choice xmlns:v="urn:schemas-microsoft-com:vml" Requires="v">
-                <p:oleObj spid="_x0000_s110913" name="Equation" r:id="rId12" imgW="876300" imgH="228600" progId="Equation.3">
+                <p:oleObj spid="_x0000_s110923" name="Equation" r:id="rId12" imgW="876300" imgH="228600" progId="Equation.3">
                   <p:embed/>
                 </p:oleObj>
               </mc:Choice>
@@ -22762,7 +22746,7 @@
           <a:graphicData uri="http://schemas.openxmlformats.org/presentationml/2006/ole">
             <mc:AlternateContent xmlns:mc="http://schemas.openxmlformats.org/markup-compatibility/2006">
               <mc:Choice xmlns:v="urn:schemas-microsoft-com:vml" Requires="v">
-                <p:oleObj spid="_x0000_s111805" name="Equation" r:id="rId4" imgW="876240" imgH="228600" progId="Equation.3">
+                <p:oleObj spid="_x0000_s111811" name="Equation" r:id="rId4" imgW="876240" imgH="228600" progId="Equation.3">
                   <p:embed/>
                 </p:oleObj>
               </mc:Choice>
@@ -22936,7 +22920,7 @@
           <a:graphicData uri="http://schemas.openxmlformats.org/presentationml/2006/ole">
             <mc:AlternateContent xmlns:mc="http://schemas.openxmlformats.org/markup-compatibility/2006">
               <mc:Choice xmlns:v="urn:schemas-microsoft-com:vml" Requires="v">
-                <p:oleObj spid="_x0000_s111806" name="Equation" r:id="rId6" imgW="622080" imgH="177480" progId="Equation.3">
+                <p:oleObj spid="_x0000_s111812" name="Equation" r:id="rId6" imgW="622080" imgH="177480" progId="Equation.3">
                   <p:embed/>
                 </p:oleObj>
               </mc:Choice>
@@ -23029,7 +23013,7 @@
           <a:graphicData uri="http://schemas.openxmlformats.org/presentationml/2006/ole">
             <mc:AlternateContent xmlns:mc="http://schemas.openxmlformats.org/markup-compatibility/2006">
               <mc:Choice xmlns:v="urn:schemas-microsoft-com:vml" Requires="v">
-                <p:oleObj spid="_x0000_s111807" name="Equation" r:id="rId8" imgW="672840" imgH="177480" progId="Equation.3">
+                <p:oleObj spid="_x0000_s111813" name="Equation" r:id="rId8" imgW="672840" imgH="177480" progId="Equation.3">
                   <p:embed/>
                 </p:oleObj>
               </mc:Choice>
@@ -23491,7 +23475,7 @@
           <a:graphicData uri="http://schemas.openxmlformats.org/presentationml/2006/ole">
             <mc:AlternateContent xmlns:mc="http://schemas.openxmlformats.org/markup-compatibility/2006">
               <mc:Choice xmlns:v="urn:schemas-microsoft-com:vml" Requires="v">
-                <p:oleObj spid="_x0000_s112870" name="Equation" r:id="rId4" imgW="1143000" imgH="482400" progId="Equation.3">
+                <p:oleObj spid="_x0000_s112878" name="Equation" r:id="rId4" imgW="1143000" imgH="482400" progId="Equation.3">
                   <p:embed/>
                 </p:oleObj>
               </mc:Choice>
@@ -23590,7 +23574,7 @@
           <a:graphicData uri="http://schemas.openxmlformats.org/presentationml/2006/ole">
             <mc:AlternateContent xmlns:mc="http://schemas.openxmlformats.org/markup-compatibility/2006">
               <mc:Choice xmlns:v="urn:schemas-microsoft-com:vml" Requires="v">
-                <p:oleObj spid="_x0000_s112871" name="Equation" r:id="rId6" imgW="1536480" imgH="482400" progId="Equation.3">
+                <p:oleObj spid="_x0000_s112879" name="Equation" r:id="rId6" imgW="1536480" imgH="482400" progId="Equation.3">
                   <p:embed/>
                 </p:oleObj>
               </mc:Choice>
@@ -23689,7 +23673,7 @@
           <a:graphicData uri="http://schemas.openxmlformats.org/presentationml/2006/ole">
             <mc:AlternateContent xmlns:mc="http://schemas.openxmlformats.org/markup-compatibility/2006">
               <mc:Choice xmlns:v="urn:schemas-microsoft-com:vml" Requires="v">
-                <p:oleObj spid="_x0000_s112872" name="Equation" r:id="rId8" imgW="634680" imgH="177480" progId="Equation.3">
+                <p:oleObj spid="_x0000_s112880" name="Equation" r:id="rId8" imgW="634680" imgH="177480" progId="Equation.3">
                   <p:embed/>
                 </p:oleObj>
               </mc:Choice>
@@ -23816,7 +23800,7 @@
           <a:graphicData uri="http://schemas.openxmlformats.org/presentationml/2006/ole">
             <mc:AlternateContent xmlns:mc="http://schemas.openxmlformats.org/markup-compatibility/2006">
               <mc:Choice xmlns:v="urn:schemas-microsoft-com:vml" Requires="v">
-                <p:oleObj spid="_x0000_s112873" name="Equation" r:id="rId10" imgW="1002865" imgH="253890" progId="Equation.3">
+                <p:oleObj spid="_x0000_s112881" name="Equation" r:id="rId10" imgW="1002865" imgH="253890" progId="Equation.3">
                   <p:embed/>
                 </p:oleObj>
               </mc:Choice>
@@ -24160,7 +24144,7 @@
           <a:graphicData uri="http://schemas.openxmlformats.org/presentationml/2006/ole">
             <mc:AlternateContent xmlns:mc="http://schemas.openxmlformats.org/markup-compatibility/2006">
               <mc:Choice xmlns:v="urn:schemas-microsoft-com:vml" Requires="v">
-                <p:oleObj spid="_x0000_s113919" name="Equation" r:id="rId4" imgW="1295280" imgH="634680" progId="Equation.3">
+                <p:oleObj spid="_x0000_s113927" name="Equation" r:id="rId4" imgW="1295280" imgH="634680" progId="Equation.3">
                   <p:embed/>
                 </p:oleObj>
               </mc:Choice>
@@ -24325,7 +24309,7 @@
           <a:graphicData uri="http://schemas.openxmlformats.org/presentationml/2006/ole">
             <mc:AlternateContent xmlns:mc="http://schemas.openxmlformats.org/markup-compatibility/2006">
               <mc:Choice xmlns:v="urn:schemas-microsoft-com:vml" Requires="v">
-                <p:oleObj spid="_x0000_s113920" name="Equation" r:id="rId6" imgW="1002960" imgH="253800" progId="Equation.3">
+                <p:oleObj spid="_x0000_s113928" name="Equation" r:id="rId6" imgW="1002960" imgH="253800" progId="Equation.3">
                   <p:embed/>
                 </p:oleObj>
               </mc:Choice>
@@ -24424,7 +24408,7 @@
           <a:graphicData uri="http://schemas.openxmlformats.org/presentationml/2006/ole">
             <mc:AlternateContent xmlns:mc="http://schemas.openxmlformats.org/markup-compatibility/2006">
               <mc:Choice xmlns:v="urn:schemas-microsoft-com:vml" Requires="v">
-                <p:oleObj spid="_x0000_s113921" name="Equation" r:id="rId8" imgW="812520" imgH="241200" progId="Equation.3">
+                <p:oleObj spid="_x0000_s113929" name="Equation" r:id="rId8" imgW="812520" imgH="241200" progId="Equation.3">
                   <p:embed/>
                 </p:oleObj>
               </mc:Choice>
@@ -24497,7 +24481,7 @@
           <a:graphicData uri="http://schemas.openxmlformats.org/presentationml/2006/ole">
             <mc:AlternateContent xmlns:mc="http://schemas.openxmlformats.org/markup-compatibility/2006">
               <mc:Choice xmlns:v="urn:schemas-microsoft-com:vml" Requires="v">
-                <p:oleObj spid="_x0000_s113922" name="Equation" r:id="rId10" imgW="977760" imgH="203040" progId="Equation.3">
+                <p:oleObj spid="_x0000_s113930" name="Equation" r:id="rId10" imgW="977760" imgH="203040" progId="Equation.3">
                   <p:embed/>
                 </p:oleObj>
               </mc:Choice>
@@ -24895,7 +24879,7 @@
           <a:graphicData uri="http://schemas.openxmlformats.org/presentationml/2006/ole">
             <mc:AlternateContent xmlns:mc="http://schemas.openxmlformats.org/markup-compatibility/2006">
               <mc:Choice xmlns:v="urn:schemas-microsoft-com:vml" Requires="v">
-                <p:oleObj spid="_x0000_s115005" name="Equation" r:id="rId4" imgW="914400" imgH="241200" progId="Equation.3">
+                <p:oleObj spid="_x0000_s115015" name="Equation" r:id="rId4" imgW="914400" imgH="241200" progId="Equation.3">
                   <p:embed/>
                 </p:oleObj>
               </mc:Choice>
@@ -24994,7 +24978,7 @@
           <a:graphicData uri="http://schemas.openxmlformats.org/presentationml/2006/ole">
             <mc:AlternateContent xmlns:mc="http://schemas.openxmlformats.org/markup-compatibility/2006">
               <mc:Choice xmlns:v="urn:schemas-microsoft-com:vml" Requires="v">
-                <p:oleObj spid="_x0000_s115006" name="Equation" r:id="rId6" imgW="1091880" imgH="241200" progId="Equation.3">
+                <p:oleObj spid="_x0000_s115016" name="Equation" r:id="rId6" imgW="1091880" imgH="241200" progId="Equation.3">
                   <p:embed/>
                 </p:oleObj>
               </mc:Choice>
@@ -25093,7 +25077,7 @@
           <a:graphicData uri="http://schemas.openxmlformats.org/presentationml/2006/ole">
             <mc:AlternateContent xmlns:mc="http://schemas.openxmlformats.org/markup-compatibility/2006">
               <mc:Choice xmlns:v="urn:schemas-microsoft-com:vml" Requires="v">
-                <p:oleObj spid="_x0000_s115007" name="Equation" r:id="rId8" imgW="672840" imgH="177480" progId="Equation.3">
+                <p:oleObj spid="_x0000_s115017" name="Equation" r:id="rId8" imgW="672840" imgH="177480" progId="Equation.3">
                   <p:embed/>
                 </p:oleObj>
               </mc:Choice>
@@ -25192,7 +25176,7 @@
           <a:graphicData uri="http://schemas.openxmlformats.org/presentationml/2006/ole">
             <mc:AlternateContent xmlns:mc="http://schemas.openxmlformats.org/markup-compatibility/2006">
               <mc:Choice xmlns:v="urn:schemas-microsoft-com:vml" Requires="v">
-                <p:oleObj spid="_x0000_s115008" name="Equation" r:id="rId10" imgW="1091880" imgH="241200" progId="Equation.3">
+                <p:oleObj spid="_x0000_s115018" name="Equation" r:id="rId10" imgW="1091880" imgH="241200" progId="Equation.3">
                   <p:embed/>
                 </p:oleObj>
               </mc:Choice>
@@ -25291,7 +25275,7 @@
           <a:graphicData uri="http://schemas.openxmlformats.org/presentationml/2006/ole">
             <mc:AlternateContent xmlns:mc="http://schemas.openxmlformats.org/markup-compatibility/2006">
               <mc:Choice xmlns:v="urn:schemas-microsoft-com:vml" Requires="v">
-                <p:oleObj spid="_x0000_s115009" name="Equation" r:id="rId12" imgW="1295280" imgH="177480" progId="Equation.3">
+                <p:oleObj spid="_x0000_s115019" name="Equation" r:id="rId12" imgW="1295280" imgH="177480" progId="Equation.3">
                   <p:embed/>
                 </p:oleObj>
               </mc:Choice>
@@ -25968,7 +25952,7 @@
           <a:graphicData uri="http://schemas.openxmlformats.org/presentationml/2006/ole">
             <mc:AlternateContent xmlns:mc="http://schemas.openxmlformats.org/markup-compatibility/2006">
               <mc:Choice xmlns:v="urn:schemas-microsoft-com:vml" Requires="v">
-                <p:oleObj spid="_x0000_s116029" name="Equation" r:id="rId4" imgW="1803240" imgH="482400" progId="Equation.3">
+                <p:oleObj spid="_x0000_s116039" name="Equation" r:id="rId4" imgW="1803240" imgH="482400" progId="Equation.3">
                   <p:embed/>
                 </p:oleObj>
               </mc:Choice>
@@ -26067,7 +26051,7 @@
           <a:graphicData uri="http://schemas.openxmlformats.org/presentationml/2006/ole">
             <mc:AlternateContent xmlns:mc="http://schemas.openxmlformats.org/markup-compatibility/2006">
               <mc:Choice xmlns:v="urn:schemas-microsoft-com:vml" Requires="v">
-                <p:oleObj spid="_x0000_s116030" name="Equation" r:id="rId6" imgW="1282680" imgH="419040" progId="Equation.3">
+                <p:oleObj spid="_x0000_s116040" name="Equation" r:id="rId6" imgW="1282680" imgH="419040" progId="Equation.3">
                   <p:embed/>
                 </p:oleObj>
               </mc:Choice>
@@ -26138,7 +26122,7 @@
           <a:graphicData uri="http://schemas.openxmlformats.org/presentationml/2006/ole">
             <mc:AlternateContent xmlns:mc="http://schemas.openxmlformats.org/markup-compatibility/2006">
               <mc:Choice xmlns:v="urn:schemas-microsoft-com:vml" Requires="v">
-                <p:oleObj spid="_x0000_s116031" name="Equation" r:id="rId8" imgW="634680" imgH="177480" progId="Equation.3">
+                <p:oleObj spid="_x0000_s116041" name="Equation" r:id="rId8" imgW="634680" imgH="177480" progId="Equation.3">
                   <p:embed/>
                 </p:oleObj>
               </mc:Choice>
@@ -26211,7 +26195,7 @@
           <a:graphicData uri="http://schemas.openxmlformats.org/presentationml/2006/ole">
             <mc:AlternateContent xmlns:mc="http://schemas.openxmlformats.org/markup-compatibility/2006">
               <mc:Choice xmlns:v="urn:schemas-microsoft-com:vml" Requires="v">
-                <p:oleObj spid="_x0000_s116032" name="Equation" r:id="rId10" imgW="888840" imgH="393480" progId="Equation.3">
+                <p:oleObj spid="_x0000_s116042" name="Equation" r:id="rId10" imgW="888840" imgH="393480" progId="Equation.3">
                   <p:embed/>
                 </p:oleObj>
               </mc:Choice>
@@ -26310,7 +26294,7 @@
           <a:graphicData uri="http://schemas.openxmlformats.org/presentationml/2006/ole">
             <mc:AlternateContent xmlns:mc="http://schemas.openxmlformats.org/markup-compatibility/2006">
               <mc:Choice xmlns:v="urn:schemas-microsoft-com:vml" Requires="v">
-                <p:oleObj spid="_x0000_s116033" name="Equation" r:id="rId12" imgW="634680" imgH="177480" progId="Equation.3">
+                <p:oleObj spid="_x0000_s116043" name="Equation" r:id="rId12" imgW="634680" imgH="177480" progId="Equation.3">
                   <p:embed/>
                 </p:oleObj>
               </mc:Choice>
@@ -26550,7 +26534,7 @@
           <a:graphicData uri="http://schemas.openxmlformats.org/presentationml/2006/ole">
             <mc:AlternateContent xmlns:mc="http://schemas.openxmlformats.org/markup-compatibility/2006">
               <mc:Choice xmlns:v="urn:schemas-microsoft-com:vml" Requires="v">
-                <p:oleObj spid="_x0000_s117048" name="Equation" r:id="rId4" imgW="1422360" imgH="507960" progId="Equation.3">
+                <p:oleObj spid="_x0000_s117058" name="Equation" r:id="rId4" imgW="1422360" imgH="507960" progId="Equation.3">
                   <p:embed/>
                 </p:oleObj>
               </mc:Choice>
@@ -26649,7 +26633,7 @@
           <a:graphicData uri="http://schemas.openxmlformats.org/presentationml/2006/ole">
             <mc:AlternateContent xmlns:mc="http://schemas.openxmlformats.org/markup-compatibility/2006">
               <mc:Choice xmlns:v="urn:schemas-microsoft-com:vml" Requires="v">
-                <p:oleObj spid="_x0000_s117049" name="Equation" r:id="rId6" imgW="952200" imgH="431640" progId="Equation.3">
+                <p:oleObj spid="_x0000_s117059" name="Equation" r:id="rId6" imgW="952200" imgH="431640" progId="Equation.3">
                   <p:embed/>
                 </p:oleObj>
               </mc:Choice>
@@ -26748,7 +26732,7 @@
           <a:graphicData uri="http://schemas.openxmlformats.org/presentationml/2006/ole">
             <mc:AlternateContent xmlns:mc="http://schemas.openxmlformats.org/markup-compatibility/2006">
               <mc:Choice xmlns:v="urn:schemas-microsoft-com:vml" Requires="v">
-                <p:oleObj spid="_x0000_s117050" name="Equation" r:id="rId8" imgW="634680" imgH="177480" progId="Equation.3">
+                <p:oleObj spid="_x0000_s117060" name="Equation" r:id="rId8" imgW="634680" imgH="177480" progId="Equation.3">
                   <p:embed/>
                 </p:oleObj>
               </mc:Choice>
@@ -26847,7 +26831,7 @@
           <a:graphicData uri="http://schemas.openxmlformats.org/presentationml/2006/ole">
             <mc:AlternateContent xmlns:mc="http://schemas.openxmlformats.org/markup-compatibility/2006">
               <mc:Choice xmlns:v="urn:schemas-microsoft-com:vml" Requires="v">
-                <p:oleObj spid="_x0000_s117051" name="Equation" r:id="rId10" imgW="1028520" imgH="241200" progId="Equation.3">
+                <p:oleObj spid="_x0000_s117061" name="Equation" r:id="rId10" imgW="1028520" imgH="241200" progId="Equation.3">
                   <p:embed/>
                 </p:oleObj>
               </mc:Choice>
@@ -26946,7 +26930,7 @@
           <a:graphicData uri="http://schemas.openxmlformats.org/presentationml/2006/ole">
             <mc:AlternateContent xmlns:mc="http://schemas.openxmlformats.org/markup-compatibility/2006">
               <mc:Choice xmlns:v="urn:schemas-microsoft-com:vml" Requires="v">
-                <p:oleObj spid="_x0000_s117052" name="Equation" r:id="rId12" imgW="1587240" imgH="177480" progId="Equation.3">
+                <p:oleObj spid="_x0000_s117062" name="Equation" r:id="rId12" imgW="1587240" imgH="177480" progId="Equation.3">
                   <p:embed/>
                 </p:oleObj>
               </mc:Choice>
@@ -27235,7 +27219,7 @@
           <a:graphicData uri="http://schemas.openxmlformats.org/presentationml/2006/ole">
             <mc:AlternateContent xmlns:mc="http://schemas.openxmlformats.org/markup-compatibility/2006">
               <mc:Choice xmlns:v="urn:schemas-microsoft-com:vml" Requires="v">
-                <p:oleObj spid="_x0000_s118077" name="Equation" r:id="rId4" imgW="927000" imgH="266400" progId="Equation.3">
+                <p:oleObj spid="_x0000_s118087" name="Equation" r:id="rId4" imgW="927000" imgH="266400" progId="Equation.3">
                   <p:embed/>
                 </p:oleObj>
               </mc:Choice>
@@ -27334,7 +27318,7 @@
           <a:graphicData uri="http://schemas.openxmlformats.org/presentationml/2006/ole">
             <mc:AlternateContent xmlns:mc="http://schemas.openxmlformats.org/markup-compatibility/2006">
               <mc:Choice xmlns:v="urn:schemas-microsoft-com:vml" Requires="v">
-                <p:oleObj spid="_x0000_s118078" name="Equation" r:id="rId6" imgW="977760" imgH="203040" progId="Equation.3">
+                <p:oleObj spid="_x0000_s118088" name="Equation" r:id="rId6" imgW="977760" imgH="203040" progId="Equation.3">
                   <p:embed/>
                 </p:oleObj>
               </mc:Choice>
@@ -27433,7 +27417,7 @@
           <a:graphicData uri="http://schemas.openxmlformats.org/presentationml/2006/ole">
             <mc:AlternateContent xmlns:mc="http://schemas.openxmlformats.org/markup-compatibility/2006">
               <mc:Choice xmlns:v="urn:schemas-microsoft-com:vml" Requires="v">
-                <p:oleObj spid="_x0000_s118079" name="Equation" r:id="rId8" imgW="761760" imgH="177480" progId="Equation.3">
+                <p:oleObj spid="_x0000_s118089" name="Equation" r:id="rId8" imgW="761760" imgH="177480" progId="Equation.3">
                   <p:embed/>
                 </p:oleObj>
               </mc:Choice>
@@ -27598,7 +27582,7 @@
           <a:graphicData uri="http://schemas.openxmlformats.org/presentationml/2006/ole">
             <mc:AlternateContent xmlns:mc="http://schemas.openxmlformats.org/markup-compatibility/2006">
               <mc:Choice xmlns:v="urn:schemas-microsoft-com:vml" Requires="v">
-                <p:oleObj spid="_x0000_s118080" name="Equation" r:id="rId10" imgW="825480" imgH="228600" progId="Equation.3">
+                <p:oleObj spid="_x0000_s118090" name="Equation" r:id="rId10" imgW="825480" imgH="228600" progId="Equation.3">
                   <p:embed/>
                 </p:oleObj>
               </mc:Choice>
@@ -27737,7 +27721,7 @@
           <a:graphicData uri="http://schemas.openxmlformats.org/presentationml/2006/ole">
             <mc:AlternateContent xmlns:mc="http://schemas.openxmlformats.org/markup-compatibility/2006">
               <mc:Choice xmlns:v="urn:schemas-microsoft-com:vml" Requires="v">
-                <p:oleObj spid="_x0000_s118081" name="Equation" r:id="rId12" imgW="952200" imgH="241200" progId="Equation.3">
+                <p:oleObj spid="_x0000_s118091" name="Equation" r:id="rId12" imgW="952200" imgH="241200" progId="Equation.3">
                   <p:embed/>
                 </p:oleObj>
               </mc:Choice>
@@ -28319,7 +28303,7 @@
           <a:graphicData uri="http://schemas.openxmlformats.org/presentationml/2006/ole">
             <mc:AlternateContent xmlns:mc="http://schemas.openxmlformats.org/markup-compatibility/2006">
               <mc:Choice xmlns:v="urn:schemas-microsoft-com:vml" Requires="v">
-                <p:oleObj spid="_x0000_s119932" name="Equation" r:id="rId4" imgW="1117440" imgH="215640" progId="Equation.3">
+                <p:oleObj spid="_x0000_s119936" name="Equation" r:id="rId4" imgW="1117440" imgH="215640" progId="Equation.3">
                   <p:embed/>
                 </p:oleObj>
               </mc:Choice>
@@ -28418,7 +28402,7 @@
           <a:graphicData uri="http://schemas.openxmlformats.org/presentationml/2006/ole">
             <mc:AlternateContent xmlns:mc="http://schemas.openxmlformats.org/markup-compatibility/2006">
               <mc:Choice xmlns:v="urn:schemas-microsoft-com:vml" Requires="v">
-                <p:oleObj spid="_x0000_s119933" name="Equation" r:id="rId6" imgW="1244520" imgH="393480" progId="Equation.3">
+                <p:oleObj spid="_x0000_s119937" name="Equation" r:id="rId6" imgW="1244520" imgH="393480" progId="Equation.3">
                   <p:embed/>
                 </p:oleObj>
               </mc:Choice>
@@ -28901,7 +28885,7 @@
           <a:graphicData uri="http://schemas.openxmlformats.org/presentationml/2006/ole">
             <mc:AlternateContent xmlns:mc="http://schemas.openxmlformats.org/markup-compatibility/2006">
               <mc:Choice xmlns:v="urn:schemas-microsoft-com:vml" Requires="v">
-                <p:oleObj spid="_x0000_s121078" name="Equation" r:id="rId4" imgW="850680" imgH="431640" progId="Equation.3">
+                <p:oleObj spid="_x0000_s121086" name="Equation" r:id="rId4" imgW="850680" imgH="431640" progId="Equation.3">
                   <p:embed/>
                 </p:oleObj>
               </mc:Choice>
@@ -29139,7 +29123,7 @@
           <a:graphicData uri="http://schemas.openxmlformats.org/presentationml/2006/ole">
             <mc:AlternateContent xmlns:mc="http://schemas.openxmlformats.org/markup-compatibility/2006">
               <mc:Choice xmlns:v="urn:schemas-microsoft-com:vml" Requires="v">
-                <p:oleObj spid="_x0000_s121079" name="Equation" r:id="rId6" imgW="1028520" imgH="393480" progId="Equation.3">
+                <p:oleObj spid="_x0000_s121087" name="Equation" r:id="rId6" imgW="1028520" imgH="393480" progId="Equation.3">
                   <p:embed/>
                 </p:oleObj>
               </mc:Choice>
@@ -29238,7 +29222,7 @@
           <a:graphicData uri="http://schemas.openxmlformats.org/presentationml/2006/ole">
             <mc:AlternateContent xmlns:mc="http://schemas.openxmlformats.org/markup-compatibility/2006">
               <mc:Choice xmlns:v="urn:schemas-microsoft-com:vml" Requires="v">
-                <p:oleObj spid="_x0000_s121080" name="Equation" r:id="rId8" imgW="1104840" imgH="228600" progId="Equation.3">
+                <p:oleObj spid="_x0000_s121088" name="Equation" r:id="rId8" imgW="1104840" imgH="228600" progId="Equation.3">
                   <p:embed/>
                 </p:oleObj>
               </mc:Choice>
@@ -29337,7 +29321,7 @@
           <a:graphicData uri="http://schemas.openxmlformats.org/presentationml/2006/ole">
             <mc:AlternateContent xmlns:mc="http://schemas.openxmlformats.org/markup-compatibility/2006">
               <mc:Choice xmlns:v="urn:schemas-microsoft-com:vml" Requires="v">
-                <p:oleObj spid="_x0000_s121081" name="Equation" r:id="rId10" imgW="1726920" imgH="419040" progId="Equation.3">
+                <p:oleObj spid="_x0000_s121089" name="Equation" r:id="rId10" imgW="1726920" imgH="419040" progId="Equation.3">
                   <p:embed/>
                 </p:oleObj>
               </mc:Choice>
@@ -29585,7 +29569,7 @@
           <a:graphicData uri="http://schemas.openxmlformats.org/presentationml/2006/ole">
             <mc:AlternateContent xmlns:mc="http://schemas.openxmlformats.org/markup-compatibility/2006">
               <mc:Choice xmlns:v="urn:schemas-microsoft-com:vml" Requires="v">
-                <p:oleObj spid="_x0000_s119096" name="Equation" r:id="rId4" imgW="1612900" imgH="393700" progId="Equation.3">
+                <p:oleObj spid="_x0000_s119106" name="Equation" r:id="rId4" imgW="1612900" imgH="393700" progId="Equation.3">
                   <p:embed/>
                 </p:oleObj>
               </mc:Choice>
@@ -29684,7 +29668,7 @@
           <a:graphicData uri="http://schemas.openxmlformats.org/presentationml/2006/ole">
             <mc:AlternateContent xmlns:mc="http://schemas.openxmlformats.org/markup-compatibility/2006">
               <mc:Choice xmlns:v="urn:schemas-microsoft-com:vml" Requires="v">
-                <p:oleObj spid="_x0000_s119097" name="Equation" r:id="rId6" imgW="1244600" imgH="457200" progId="Equation.3">
+                <p:oleObj spid="_x0000_s119107" name="Equation" r:id="rId6" imgW="1244600" imgH="457200" progId="Equation.3">
                   <p:embed/>
                 </p:oleObj>
               </mc:Choice>
@@ -29783,7 +29767,7 @@
           <a:graphicData uri="http://schemas.openxmlformats.org/presentationml/2006/ole">
             <mc:AlternateContent xmlns:mc="http://schemas.openxmlformats.org/markup-compatibility/2006">
               <mc:Choice xmlns:v="urn:schemas-microsoft-com:vml" Requires="v">
-                <p:oleObj spid="_x0000_s119098" name="Equation" r:id="rId8" imgW="774364" imgH="228501" progId="Equation.3">
+                <p:oleObj spid="_x0000_s119108" name="Equation" r:id="rId8" imgW="774364" imgH="228501" progId="Equation.3">
                   <p:embed/>
                 </p:oleObj>
               </mc:Choice>
@@ -29882,7 +29866,7 @@
           <a:graphicData uri="http://schemas.openxmlformats.org/presentationml/2006/ole">
             <mc:AlternateContent xmlns:mc="http://schemas.openxmlformats.org/markup-compatibility/2006">
               <mc:Choice xmlns:v="urn:schemas-microsoft-com:vml" Requires="v">
-                <p:oleObj spid="_x0000_s119099" name="Equation" r:id="rId10" imgW="1421783" imgH="177723" progId="Equation.3">
+                <p:oleObj spid="_x0000_s119109" name="Equation" r:id="rId10" imgW="1421783" imgH="177723" progId="Equation.3">
                   <p:embed/>
                 </p:oleObj>
               </mc:Choice>
@@ -29981,7 +29965,7 @@
           <a:graphicData uri="http://schemas.openxmlformats.org/presentationml/2006/ole">
             <mc:AlternateContent xmlns:mc="http://schemas.openxmlformats.org/markup-compatibility/2006">
               <mc:Choice xmlns:v="urn:schemas-microsoft-com:vml" Requires="v">
-                <p:oleObj spid="_x0000_s119100" name="Equation" r:id="rId12" imgW="1739900" imgH="419100" progId="Equation.3">
+                <p:oleObj spid="_x0000_s119110" name="Equation" r:id="rId12" imgW="1739900" imgH="419100" progId="Equation.3">
                   <p:embed/>
                 </p:oleObj>
               </mc:Choice>
@@ -30460,7 +30444,7 @@
           <a:graphicData uri="http://schemas.openxmlformats.org/presentationml/2006/ole">
             <mc:AlternateContent xmlns:mc="http://schemas.openxmlformats.org/markup-compatibility/2006">
               <mc:Choice xmlns:v="urn:schemas-microsoft-com:vml" Requires="v">
-                <p:oleObj spid="_x0000_s122102" name="Equation" r:id="rId3" imgW="1473120" imgH="457200" progId="Equation.3">
+                <p:oleObj spid="_x0000_s122110" name="Equation" r:id="rId3" imgW="1473120" imgH="457200" progId="Equation.3">
                   <p:embed/>
                 </p:oleObj>
               </mc:Choice>
@@ -30559,7 +30543,7 @@
           <a:graphicData uri="http://schemas.openxmlformats.org/presentationml/2006/ole">
             <mc:AlternateContent xmlns:mc="http://schemas.openxmlformats.org/markup-compatibility/2006">
               <mc:Choice xmlns:v="urn:schemas-microsoft-com:vml" Requires="v">
-                <p:oleObj spid="_x0000_s122103" name="Equation" r:id="rId5" imgW="1117440" imgH="393480" progId="Equation.3">
+                <p:oleObj spid="_x0000_s122111" name="Equation" r:id="rId5" imgW="1117440" imgH="393480" progId="Equation.3">
                   <p:embed/>
                 </p:oleObj>
               </mc:Choice>
@@ -30658,7 +30642,7 @@
           <a:graphicData uri="http://schemas.openxmlformats.org/presentationml/2006/ole">
             <mc:AlternateContent xmlns:mc="http://schemas.openxmlformats.org/markup-compatibility/2006">
               <mc:Choice xmlns:v="urn:schemas-microsoft-com:vml" Requires="v">
-                <p:oleObj spid="_x0000_s122104" name="Equation" r:id="rId7" imgW="672840" imgH="177480" progId="Equation.3">
+                <p:oleObj spid="_x0000_s122112" name="Equation" r:id="rId7" imgW="672840" imgH="177480" progId="Equation.3">
                   <p:embed/>
                 </p:oleObj>
               </mc:Choice>
@@ -30757,7 +30741,7 @@
           <a:graphicData uri="http://schemas.openxmlformats.org/presentationml/2006/ole">
             <mc:AlternateContent xmlns:mc="http://schemas.openxmlformats.org/markup-compatibility/2006">
               <mc:Choice xmlns:v="urn:schemas-microsoft-com:vml" Requires="v">
-                <p:oleObj spid="_x0000_s122105" name="Equation" r:id="rId9" imgW="1968480" imgH="419040" progId="Equation.3">
+                <p:oleObj spid="_x0000_s122113" name="Equation" r:id="rId9" imgW="1968480" imgH="419040" progId="Equation.3">
                   <p:embed/>
                 </p:oleObj>
               </mc:Choice>
@@ -31069,7 +31053,7 @@
           <a:graphicData uri="http://schemas.openxmlformats.org/presentationml/2006/ole">
             <mc:AlternateContent xmlns:mc="http://schemas.openxmlformats.org/markup-compatibility/2006">
               <mc:Choice xmlns:v="urn:schemas-microsoft-com:vml" Requires="v">
-                <p:oleObj spid="_x0000_s123065" name="Equation" r:id="rId3" imgW="723600" imgH="215640" progId="Equation.3">
+                <p:oleObj spid="_x0000_s123071" name="Equation" r:id="rId3" imgW="723600" imgH="215640" progId="Equation.3">
                   <p:embed/>
                 </p:oleObj>
               </mc:Choice>
@@ -31168,7 +31152,7 @@
           <a:graphicData uri="http://schemas.openxmlformats.org/presentationml/2006/ole">
             <mc:AlternateContent xmlns:mc="http://schemas.openxmlformats.org/markup-compatibility/2006">
               <mc:Choice xmlns:v="urn:schemas-microsoft-com:vml" Requires="v">
-                <p:oleObj spid="_x0000_s123066" name="Equation" r:id="rId5" imgW="1358640" imgH="203040" progId="Equation.3">
+                <p:oleObj spid="_x0000_s123072" name="Equation" r:id="rId5" imgW="1358640" imgH="203040" progId="Equation.3">
                   <p:embed/>
                 </p:oleObj>
               </mc:Choice>
@@ -31331,7 +31315,7 @@
           <a:graphicData uri="http://schemas.openxmlformats.org/presentationml/2006/ole">
             <mc:AlternateContent xmlns:mc="http://schemas.openxmlformats.org/markup-compatibility/2006">
               <mc:Choice xmlns:v="urn:schemas-microsoft-com:vml" Requires="v">
-                <p:oleObj spid="_x0000_s123067" name="Equation" r:id="rId7" imgW="1358640" imgH="431640" progId="Equation.3">
+                <p:oleObj spid="_x0000_s123073" name="Equation" r:id="rId7" imgW="1358640" imgH="431640" progId="Equation.3">
                   <p:embed/>
                 </p:oleObj>
               </mc:Choice>
@@ -31579,7 +31563,7 @@
           <a:graphicData uri="http://schemas.openxmlformats.org/presentationml/2006/ole">
             <mc:AlternateContent xmlns:mc="http://schemas.openxmlformats.org/markup-compatibility/2006">
               <mc:Choice xmlns:v="urn:schemas-microsoft-com:vml" Requires="v">
-                <p:oleObj spid="_x0000_s124028" name="Equation" r:id="rId3" imgW="850680" imgH="431640" progId="Equation.3">
+                <p:oleObj spid="_x0000_s124032" name="Equation" r:id="rId3" imgW="850680" imgH="431640" progId="Equation.3">
                   <p:embed/>
                 </p:oleObj>
               </mc:Choice>
@@ -31806,7 +31790,7 @@
           <a:graphicData uri="http://schemas.openxmlformats.org/presentationml/2006/ole">
             <mc:AlternateContent xmlns:mc="http://schemas.openxmlformats.org/markup-compatibility/2006">
               <mc:Choice xmlns:v="urn:schemas-microsoft-com:vml" Requires="v">
-                <p:oleObj spid="_x0000_s124029" name="Equation" r:id="rId5" imgW="1333440" imgH="393480" progId="Equation.3">
+                <p:oleObj spid="_x0000_s124033" name="Equation" r:id="rId5" imgW="1333440" imgH="393480" progId="Equation.3">
                   <p:embed/>
                 </p:oleObj>
               </mc:Choice>
